--- a/INT20H Upgrade.pptx
+++ b/INT20H Upgrade.pptx
@@ -14,16 +14,17 @@
     <p:sldId id="259" r:id="rId9"/>
     <p:sldId id="260" r:id="rId10"/>
     <p:sldId id="261" r:id="rId11"/>
+    <p:sldId id="262" r:id="rId12"/>
   </p:sldIdLst>
   <p:sldSz cy="5143500" cx="9144000"/>
   <p:notesSz cx="6858000" cy="9144000"/>
   <p:embeddedFontLst>
     <p:embeddedFont>
       <p:font typeface="Roboto"/>
-      <p:regular r:id="rId12"/>
-      <p:bold r:id="rId13"/>
-      <p:italic r:id="rId14"/>
-      <p:boldItalic r:id="rId15"/>
+      <p:regular r:id="rId13"/>
+      <p:bold r:id="rId14"/>
+      <p:italic r:id="rId15"/>
+      <p:boldItalic r:id="rId16"/>
     </p:embeddedFont>
   </p:embeddedFontLst>
   <p:defaultTextStyle>
@@ -1212,7 +1213,7 @@
       </p:grpSpPr>
       <p:sp>
         <p:nvSpPr>
-          <p:cNvPr id="115" name="Google Shape;115;g50749d3109_0_1118:notes"/>
+          <p:cNvPr id="115" name="Google Shape;115;g50749d3109_0_1131:notes"/>
           <p:cNvSpPr/>
           <p:nvPr>
             <p:ph idx="2" type="sldImg"/>
@@ -1247,7 +1248,106 @@
       </p:sp>
       <p:sp>
         <p:nvSpPr>
-          <p:cNvPr id="116" name="Google Shape;116;g50749d3109_0_1118:notes"/>
+          <p:cNvPr id="116" name="Google Shape;116;g50749d3109_0_1131:notes"/>
+          <p:cNvSpPr txBox="1"/>
+          <p:nvPr>
+            <p:ph idx="1" type="body"/>
+          </p:nvPr>
+        </p:nvSpPr>
+        <p:spPr>
+          <a:xfrm>
+            <a:off x="685800" y="4343400"/>
+            <a:ext cx="5486400" cy="4114800"/>
+          </a:xfrm>
+          <a:prstGeom prst="rect">
+            <a:avLst/>
+          </a:prstGeom>
+        </p:spPr>
+        <p:txBody>
+          <a:bodyPr anchorCtr="0" anchor="t" bIns="91425" lIns="91425" spcFirstLastPara="1" rIns="91425" wrap="square" tIns="91425">
+            <a:noAutofit/>
+          </a:bodyPr>
+          <a:lstStyle/>
+          <a:p>
+            <a:pPr indent="0" lvl="0" marL="0" rtl="0" algn="l">
+              <a:spcBef>
+                <a:spcPts val="0"/>
+              </a:spcBef>
+              <a:spcAft>
+                <a:spcPts val="0"/>
+              </a:spcAft>
+              <a:buNone/>
+            </a:pPr>
+            <a:r>
+              <a:t/>
+            </a:r>
+            <a:endParaRPr/>
+          </a:p>
+        </p:txBody>
+      </p:sp>
+    </p:spTree>
+  </p:cSld>
+  <p:clrMapOvr>
+    <a:masterClrMapping/>
+  </p:clrMapOvr>
+</p:notes>
+</file>
+
+<file path=ppt/notesSlides/notesSlide7.xml><?xml version="1.0" encoding="utf-8"?>
+<p:notes xmlns:a="http://schemas.openxmlformats.org/drawingml/2006/main" xmlns:r="http://schemas.openxmlformats.org/officeDocument/2006/relationships" xmlns:mc="http://schemas.openxmlformats.org/markup-compatibility/2006" xmlns:mv="urn:schemas-microsoft-com:mac:vml" xmlns:p="http://schemas.openxmlformats.org/presentationml/2006/main" xmlns:c="http://schemas.openxmlformats.org/drawingml/2006/chart" xmlns:dgm="http://schemas.openxmlformats.org/drawingml/2006/diagram" xmlns:o="urn:schemas-microsoft-com:office:office" xmlns:v="urn:schemas-microsoft-com:vml" xmlns:pvml="urn:schemas-microsoft-com:office:powerpoint" xmlns:com="http://schemas.openxmlformats.org/drawingml/2006/compatibility" xmlns:p14="http://schemas.microsoft.com/office/powerpoint/2010/main" xmlns:p15="http://schemas.microsoft.com/office/powerpoint/2012/main" showMasterPhAnim="0" showMasterSp="0">
+  <p:cSld>
+    <p:spTree>
+      <p:nvGrpSpPr>
+        <p:cNvPr id="123" name="Shape 123"/>
+        <p:cNvGrpSpPr/>
+        <p:nvPr/>
+      </p:nvGrpSpPr>
+      <p:grpSpPr>
+        <a:xfrm>
+          <a:off x="0" y="0"/>
+          <a:ext cx="0" cy="0"/>
+          <a:chOff x="0" y="0"/>
+          <a:chExt cx="0" cy="0"/>
+        </a:xfrm>
+      </p:grpSpPr>
+      <p:sp>
+        <p:nvSpPr>
+          <p:cNvPr id="124" name="Google Shape;124;g50749d3109_0_1118:notes"/>
+          <p:cNvSpPr/>
+          <p:nvPr>
+            <p:ph idx="2" type="sldImg"/>
+          </p:nvPr>
+        </p:nvSpPr>
+        <p:spPr>
+          <a:xfrm>
+            <a:off x="381300" y="685800"/>
+            <a:ext cx="6096000" cy="3429000"/>
+          </a:xfrm>
+          <a:custGeom>
+            <a:rect b="b" l="l" r="r" t="t"/>
+            <a:pathLst>
+              <a:path extrusionOk="0" h="120000" w="120000">
+                <a:moveTo>
+                  <a:pt x="0" y="0"/>
+                </a:moveTo>
+                <a:lnTo>
+                  <a:pt x="120000" y="0"/>
+                </a:lnTo>
+                <a:lnTo>
+                  <a:pt x="120000" y="120000"/>
+                </a:lnTo>
+                <a:lnTo>
+                  <a:pt x="0" y="120000"/>
+                </a:lnTo>
+                <a:close/>
+              </a:path>
+            </a:pathLst>
+          </a:custGeom>
+        </p:spPr>
+      </p:sp>
+      <p:sp>
+        <p:nvSpPr>
+          <p:cNvPr id="125" name="Google Shape;125;g50749d3109_0_1118:notes"/>
           <p:cNvSpPr txBox="1"/>
           <p:nvPr>
             <p:ph idx="1" type="body"/>
@@ -8539,8 +8639,8 @@
         </p:blipFill>
         <p:spPr>
           <a:xfrm>
-            <a:off x="311700" y="1017800"/>
-            <a:ext cx="6114559" cy="3820900"/>
+            <a:off x="1522650" y="1017800"/>
+            <a:ext cx="5909599" cy="3982950"/>
           </a:xfrm>
           <a:prstGeom prst="rect">
             <a:avLst/>
@@ -8783,6 +8883,250 @@
           <a:prstGeom prst="rect">
             <a:avLst/>
           </a:prstGeom>
+          <a:solidFill>
+            <a:schemeClr val="dk1"/>
+          </a:solidFill>
+        </p:spPr>
+        <p:txBody>
+          <a:bodyPr anchorCtr="0" anchor="t" bIns="91425" lIns="91425" spcFirstLastPara="1" rIns="91425" wrap="square" tIns="91425">
+            <a:noAutofit/>
+          </a:bodyPr>
+          <a:lstStyle/>
+          <a:p>
+            <a:pPr indent="0" lvl="0" marL="0" rtl="0" algn="l">
+              <a:spcBef>
+                <a:spcPts val="0"/>
+              </a:spcBef>
+              <a:spcAft>
+                <a:spcPts val="0"/>
+              </a:spcAft>
+              <a:buNone/>
+            </a:pPr>
+            <a:r>
+              <a:rPr lang="ru">
+                <a:solidFill>
+                  <a:schemeClr val="lt1"/>
+                </a:solidFill>
+              </a:rPr>
+              <a:t>Holt-Winters Method</a:t>
+            </a:r>
+            <a:endParaRPr>
+              <a:solidFill>
+                <a:schemeClr val="lt1"/>
+              </a:solidFill>
+            </a:endParaRPr>
+          </a:p>
+        </p:txBody>
+      </p:sp>
+      <p:sp>
+        <p:nvSpPr>
+          <p:cNvPr id="119" name="Google Shape;119;p18"/>
+          <p:cNvSpPr txBox="1"/>
+          <p:nvPr>
+            <p:ph idx="1" type="body"/>
+          </p:nvPr>
+        </p:nvSpPr>
+        <p:spPr>
+          <a:xfrm>
+            <a:off x="311700" y="1178275"/>
+            <a:ext cx="8520600" cy="3339000"/>
+          </a:xfrm>
+          <a:prstGeom prst="rect">
+            <a:avLst/>
+          </a:prstGeom>
+        </p:spPr>
+        <p:txBody>
+          <a:bodyPr anchorCtr="0" anchor="t" bIns="91425" lIns="91425" spcFirstLastPara="1" rIns="91425" wrap="square" tIns="91425">
+            <a:noAutofit/>
+          </a:bodyPr>
+          <a:lstStyle/>
+          <a:p>
+            <a:pPr indent="0" lvl="0" marL="457200" rtl="0" algn="l">
+              <a:spcBef>
+                <a:spcPts val="0"/>
+              </a:spcBef>
+              <a:spcAft>
+                <a:spcPts val="1600"/>
+              </a:spcAft>
+              <a:buNone/>
+            </a:pPr>
+            <a:r>
+              <a:t/>
+            </a:r>
+            <a:endParaRPr/>
+          </a:p>
+        </p:txBody>
+      </p:sp>
+      <p:pic>
+        <p:nvPicPr>
+          <p:cNvPr id="120" name="Google Shape;120;p18"/>
+          <p:cNvPicPr preferRelativeResize="0"/>
+          <p:nvPr/>
+        </p:nvPicPr>
+        <p:blipFill>
+          <a:blip r:embed="rId3">
+            <a:alphaModFix/>
+          </a:blip>
+          <a:stretch>
+            <a:fillRect/>
+          </a:stretch>
+        </p:blipFill>
+        <p:spPr>
+          <a:xfrm>
+            <a:off x="311700" y="1107850"/>
+            <a:ext cx="5485526" cy="2710300"/>
+          </a:xfrm>
+          <a:prstGeom prst="rect">
+            <a:avLst/>
+          </a:prstGeom>
+          <a:noFill/>
+          <a:ln>
+            <a:noFill/>
+          </a:ln>
+        </p:spPr>
+      </p:pic>
+      <p:pic>
+        <p:nvPicPr>
+          <p:cNvPr id="121" name="Google Shape;121;p18"/>
+          <p:cNvPicPr preferRelativeResize="0"/>
+          <p:nvPr/>
+        </p:nvPicPr>
+        <p:blipFill>
+          <a:blip r:embed="rId4">
+            <a:alphaModFix/>
+          </a:blip>
+          <a:stretch>
+            <a:fillRect/>
+          </a:stretch>
+        </p:blipFill>
+        <p:spPr>
+          <a:xfrm>
+            <a:off x="5866150" y="1443975"/>
+            <a:ext cx="2786749" cy="1892450"/>
+          </a:xfrm>
+          <a:prstGeom prst="rect">
+            <a:avLst/>
+          </a:prstGeom>
+          <a:noFill/>
+          <a:ln>
+            <a:noFill/>
+          </a:ln>
+        </p:spPr>
+      </p:pic>
+      <p:sp>
+        <p:nvSpPr>
+          <p:cNvPr id="122" name="Google Shape;122;p18"/>
+          <p:cNvSpPr txBox="1"/>
+          <p:nvPr/>
+        </p:nvSpPr>
+        <p:spPr>
+          <a:xfrm>
+            <a:off x="412900" y="3630075"/>
+            <a:ext cx="5264700" cy="3000000"/>
+          </a:xfrm>
+          <a:prstGeom prst="rect">
+            <a:avLst/>
+          </a:prstGeom>
+          <a:noFill/>
+          <a:ln>
+            <a:noFill/>
+          </a:ln>
+        </p:spPr>
+        <p:txBody>
+          <a:bodyPr anchorCtr="0" anchor="t" bIns="91425" lIns="91425" spcFirstLastPara="1" rIns="91425" wrap="square" tIns="91425">
+            <a:noAutofit/>
+          </a:bodyPr>
+          <a:lstStyle/>
+          <a:p>
+            <a:pPr indent="-339725" lvl="0" marL="457200" rtl="0" algn="l">
+              <a:lnSpc>
+                <a:spcPct val="140000"/>
+              </a:lnSpc>
+              <a:spcBef>
+                <a:spcPts val="1500"/>
+              </a:spcBef>
+              <a:spcAft>
+                <a:spcPts val="0"/>
+              </a:spcAft>
+              <a:buClr>
+                <a:srgbClr val="333333"/>
+              </a:buClr>
+              <a:buSzPts val="1750"/>
+              <a:buFont typeface="Arial"/>
+              <a:buChar char="●"/>
+            </a:pPr>
+            <a:r>
+              <a:rPr lang="ru" sz="1750">
+                <a:solidFill>
+                  <a:srgbClr val="333333"/>
+                </a:solidFill>
+              </a:rPr>
+              <a:t>Holt-Winters Method - </a:t>
+            </a:r>
+            <a:r>
+              <a:rPr lang="ru" sz="1750">
+                <a:solidFill>
+                  <a:srgbClr val="FF0000"/>
+                </a:solidFill>
+              </a:rPr>
+              <a:t>2.1 RMSE</a:t>
+            </a:r>
+            <a:br>
+              <a:rPr lang="ru" sz="1750">
+                <a:solidFill>
+                  <a:srgbClr val="FF0000"/>
+                </a:solidFill>
+              </a:rPr>
+            </a:br>
+            <a:r>
+              <a:rPr lang="ru" sz="1750"/>
+              <a:t>(mean for each cluster)</a:t>
+            </a:r>
+            <a:endParaRPr/>
+          </a:p>
+        </p:txBody>
+      </p:sp>
+    </p:spTree>
+  </p:cSld>
+  <p:clrMapOvr>
+    <a:masterClrMapping/>
+  </p:clrMapOvr>
+</p:sld>
+</file>
+
+<file path=ppt/slides/slide7.xml><?xml version="1.0" encoding="utf-8"?>
+<p:sld xmlns:a="http://schemas.openxmlformats.org/drawingml/2006/main" xmlns:r="http://schemas.openxmlformats.org/officeDocument/2006/relationships" xmlns:mc="http://schemas.openxmlformats.org/markup-compatibility/2006" xmlns:mv="urn:schemas-microsoft-com:mac:vml" xmlns:p="http://schemas.openxmlformats.org/presentationml/2006/main" xmlns:c="http://schemas.openxmlformats.org/drawingml/2006/chart" xmlns:dgm="http://schemas.openxmlformats.org/drawingml/2006/diagram" xmlns:o="urn:schemas-microsoft-com:office:office" xmlns:v="urn:schemas-microsoft-com:vml" xmlns:pvml="urn:schemas-microsoft-com:office:powerpoint" xmlns:com="http://schemas.openxmlformats.org/drawingml/2006/compatibility" xmlns:p14="http://schemas.microsoft.com/office/powerpoint/2010/main" xmlns:p15="http://schemas.microsoft.com/office/powerpoint/2012/main">
+  <p:cSld>
+    <p:spTree>
+      <p:nvGrpSpPr>
+        <p:cNvPr id="126" name="Shape 126"/>
+        <p:cNvGrpSpPr/>
+        <p:nvPr/>
+      </p:nvGrpSpPr>
+      <p:grpSpPr>
+        <a:xfrm>
+          <a:off x="0" y="0"/>
+          <a:ext cx="0" cy="0"/>
+          <a:chOff x="0" y="0"/>
+          <a:chExt cx="0" cy="0"/>
+        </a:xfrm>
+      </p:grpSpPr>
+      <p:sp>
+        <p:nvSpPr>
+          <p:cNvPr id="127" name="Google Shape;127;p19"/>
+          <p:cNvSpPr txBox="1"/>
+          <p:nvPr>
+            <p:ph type="title"/>
+          </p:nvPr>
+        </p:nvSpPr>
+        <p:spPr>
+          <a:xfrm>
+            <a:off x="311700" y="410000"/>
+            <a:ext cx="8520600" cy="607800"/>
+          </a:xfrm>
+          <a:prstGeom prst="rect">
+            <a:avLst/>
+          </a:prstGeom>
         </p:spPr>
         <p:txBody>
           <a:bodyPr anchorCtr="0" anchor="t" bIns="91425" lIns="91425" spcFirstLastPara="1" rIns="91425" wrap="square" tIns="91425">
@@ -8809,7 +9153,7 @@
       </p:sp>
       <p:sp>
         <p:nvSpPr>
-          <p:cNvPr id="119" name="Google Shape;119;p18"/>
+          <p:cNvPr id="128" name="Google Shape;128;p19"/>
           <p:cNvSpPr txBox="1"/>
           <p:nvPr>
             <p:ph idx="1" type="body"/>
@@ -8830,7 +9174,7 @@
           </a:bodyPr>
           <a:lstStyle/>
           <a:p>
-            <a:pPr indent="-339725" lvl="0" marL="457200" rtl="0" algn="l">
+            <a:pPr indent="0" lvl="0" marL="0" rtl="0" algn="l">
               <a:lnSpc>
                 <a:spcPct val="140000"/>
               </a:lnSpc>
@@ -8840,36 +9184,10 @@
               <a:spcAft>
                 <a:spcPts val="0"/>
               </a:spcAft>
-              <a:buClr>
-                <a:srgbClr val="333333"/>
-              </a:buClr>
-              <a:buSzPts val="1750"/>
-              <a:buFont typeface="Arial"/>
-              <a:buChar char="●"/>
+              <a:buNone/>
             </a:pPr>
             <a:r>
-              <a:rPr lang="ru" sz="1750">
-                <a:solidFill>
-                  <a:srgbClr val="333333"/>
-                </a:solidFill>
-                <a:latin typeface="Arial"/>
-                <a:ea typeface="Arial"/>
-                <a:cs typeface="Arial"/>
-                <a:sym typeface="Arial"/>
-              </a:rPr>
-              <a:t>Holt-Winters Method - </a:t>
-            </a:r>
-            <a:r>
-              <a:rPr lang="ru" sz="1750">
-                <a:solidFill>
-                  <a:srgbClr val="FF0000"/>
-                </a:solidFill>
-                <a:latin typeface="Arial"/>
-                <a:ea typeface="Arial"/>
-                <a:cs typeface="Arial"/>
-                <a:sym typeface="Arial"/>
-              </a:rPr>
-              <a:t>2.1 RMSE</a:t>
+              <a:t/>
             </a:r>
             <a:endParaRPr sz="1750">
               <a:solidFill>
@@ -8884,7 +9202,7 @@
           <a:p>
             <a:pPr indent="-339725" lvl="0" marL="457200" rtl="0" algn="l">
               <a:spcBef>
-                <a:spcPts val="0"/>
+                <a:spcPts val="1500"/>
               </a:spcBef>
               <a:spcAft>
                 <a:spcPts val="0"/>
@@ -8908,46 +9226,45 @@
               </a:rPr>
               <a:t>1.79 RMSE</a:t>
             </a:r>
-            <a:endParaRPr sz="1750">
+            <a:endParaRPr>
               <a:solidFill>
                 <a:srgbClr val="FF0000"/>
               </a:solidFill>
-              <a:latin typeface="Arial"/>
-              <a:ea typeface="Arial"/>
-              <a:cs typeface="Arial"/>
-              <a:sym typeface="Arial"/>
+            </a:endParaRPr>
+          </a:p>
+          <a:p>
+            <a:pPr indent="0" lvl="0" marL="457200" rtl="0" algn="l">
+              <a:lnSpc>
+                <a:spcPct val="140000"/>
+              </a:lnSpc>
+              <a:spcBef>
+                <a:spcPts val="1600"/>
+              </a:spcBef>
+              <a:spcAft>
+                <a:spcPts val="1500"/>
+              </a:spcAft>
+              <a:buNone/>
+            </a:pPr>
+            <a:r>
+              <a:rPr lang="ru" sz="1750">
+                <a:solidFill>
+                  <a:srgbClr val="000000"/>
+                </a:solidFill>
+                <a:latin typeface="Arial"/>
+                <a:ea typeface="Arial"/>
+                <a:cs typeface="Arial"/>
+                <a:sym typeface="Arial"/>
+              </a:rPr>
+              <a:t>(mean for each cluster)</a:t>
+            </a:r>
+            <a:endParaRPr>
+              <a:solidFill>
+                <a:srgbClr val="000000"/>
+              </a:solidFill>
             </a:endParaRPr>
           </a:p>
         </p:txBody>
       </p:sp>
-      <p:pic>
-        <p:nvPicPr>
-          <p:cNvPr id="120" name="Google Shape;120;p18"/>
-          <p:cNvPicPr preferRelativeResize="0"/>
-          <p:nvPr/>
-        </p:nvPicPr>
-        <p:blipFill>
-          <a:blip r:embed="rId3">
-            <a:alphaModFix/>
-          </a:blip>
-          <a:stretch>
-            <a:fillRect/>
-          </a:stretch>
-        </p:blipFill>
-        <p:spPr>
-          <a:xfrm>
-            <a:off x="4886923" y="1278425"/>
-            <a:ext cx="3809000" cy="2586650"/>
-          </a:xfrm>
-          <a:prstGeom prst="rect">
-            <a:avLst/>
-          </a:prstGeom>
-          <a:noFill/>
-          <a:ln>
-            <a:noFill/>
-          </a:ln>
-        </p:spPr>
-      </p:pic>
     </p:spTree>
   </p:cSld>
   <p:clrMapOvr>
